--- a/Lecture/images/bobs-images.pptx
+++ b/Lecture/images/bobs-images.pptx
@@ -7,6 +7,7 @@
   <p:sldIdLst>
     <p:sldId id="256" r:id="rId2"/>
     <p:sldId id="257" r:id="rId3"/>
+    <p:sldId id="258" r:id="rId4"/>
   </p:sldIdLst>
   <p:sldSz cx="9144000" cy="6858000" type="screen4x3"/>
   <p:notesSz cx="6858000" cy="9144000"/>
@@ -3180,7 +3181,7 @@
         </p:nvSpPr>
         <p:spPr>
           <a:xfrm>
-            <a:off x="2040257" y="1107818"/>
+            <a:off x="2445617" y="1107818"/>
             <a:ext cx="1486280" cy="702519"/>
           </a:xfrm>
           <a:prstGeom prst="rect">
@@ -3213,7 +3214,22 @@
           <a:lstStyle/>
           <a:p>
             <a:pPr algn="ctr"/>
-            <a:endParaRPr lang="en-US"/>
+            <a:endParaRPr lang="en-US" dirty="0" smtClean="0"/>
+          </a:p>
+          <a:p>
+            <a:pPr algn="ctr"/>
+            <a:r>
+              <a:rPr lang="en-US" dirty="0" smtClean="0"/>
+              <a:t/>
+            </a:r>
+          </a:p>
+          <a:p>
+            <a:pPr algn="ctr"/>
+            <a:r>
+              <a:rPr lang="en-US" dirty="0"/>
+              <a:t/>
+            </a:r>
+            <a:endParaRPr lang="en-US" dirty="0"/>
           </a:p>
         </p:txBody>
       </p:sp>
@@ -3225,7 +3241,7 @@
         </p:nvSpPr>
         <p:spPr>
           <a:xfrm>
-            <a:off x="1760285" y="2557176"/>
+            <a:off x="2165645" y="2043796"/>
             <a:ext cx="1486280" cy="702519"/>
           </a:xfrm>
           <a:prstGeom prst="rect">
@@ -3270,7 +3286,7 @@
         </p:nvGrpSpPr>
         <p:grpSpPr>
           <a:xfrm>
-            <a:off x="4109461" y="1864395"/>
+            <a:off x="4127668" y="1864395"/>
             <a:ext cx="1897760" cy="1735457"/>
             <a:chOff x="4287504" y="1669055"/>
             <a:chExt cx="1897760" cy="1735457"/>
@@ -3290,7 +3306,11 @@
             <a:prstGeom prst="sun">
               <a:avLst/>
             </a:prstGeom>
-            <a:noFill/>
+            <a:solidFill>
+              <a:schemeClr val="bg1">
+                <a:lumMod val="75000"/>
+              </a:schemeClr>
+            </a:solidFill>
             <a:ln>
               <a:solidFill>
                 <a:schemeClr val="tx1"/>
@@ -3335,7 +3355,9 @@
               <a:avLst/>
             </a:prstGeom>
             <a:solidFill>
-              <a:schemeClr val="bg1"/>
+              <a:schemeClr val="bg1">
+                <a:lumMod val="75000"/>
+              </a:schemeClr>
             </a:solidFill>
             <a:ln>
               <a:solidFill>
@@ -3368,10 +3390,2470 @@
           </p:txBody>
         </p:sp>
       </p:grpSp>
+      <p:sp>
+        <p:nvSpPr>
+          <p:cNvPr id="7" name="Rectangle 6"/>
+          <p:cNvSpPr/>
+          <p:nvPr/>
+        </p:nvSpPr>
+        <p:spPr>
+          <a:xfrm>
+            <a:off x="6261185" y="3276381"/>
+            <a:ext cx="849853" cy="387999"/>
+          </a:xfrm>
+          <a:prstGeom prst="rect">
+            <a:avLst/>
+          </a:prstGeom>
+          <a:noFill/>
+          <a:ln>
+            <a:solidFill>
+              <a:schemeClr val="tx1"/>
+            </a:solidFill>
+          </a:ln>
+          <a:effectLst/>
+        </p:spPr>
+        <p:style>
+          <a:lnRef idx="1">
+            <a:schemeClr val="accent1"/>
+          </a:lnRef>
+          <a:fillRef idx="3">
+            <a:schemeClr val="accent1"/>
+          </a:fillRef>
+          <a:effectRef idx="2">
+            <a:schemeClr val="accent1"/>
+          </a:effectRef>
+          <a:fontRef idx="minor">
+            <a:schemeClr val="lt1"/>
+          </a:fontRef>
+        </p:style>
+        <p:txBody>
+          <a:bodyPr rtlCol="0" anchor="ctr"/>
+          <a:lstStyle/>
+          <a:p>
+            <a:pPr algn="ctr"/>
+            <a:endParaRPr lang="en-US" dirty="0" smtClean="0"/>
+          </a:p>
+          <a:p>
+            <a:pPr algn="ctr"/>
+            <a:r>
+              <a:rPr lang="en-US" dirty="0" smtClean="0"/>
+              <a:t/>
+            </a:r>
+          </a:p>
+          <a:p>
+            <a:pPr algn="ctr"/>
+            <a:r>
+              <a:rPr lang="en-US" dirty="0"/>
+              <a:t/>
+            </a:r>
+            <a:endParaRPr lang="en-US" dirty="0"/>
+          </a:p>
+        </p:txBody>
+      </p:sp>
+      <p:sp>
+        <p:nvSpPr>
+          <p:cNvPr id="8" name="Rectangle 7"/>
+          <p:cNvSpPr/>
+          <p:nvPr/>
+        </p:nvSpPr>
+        <p:spPr>
+          <a:xfrm>
+            <a:off x="6821231" y="3958309"/>
+            <a:ext cx="849853" cy="387999"/>
+          </a:xfrm>
+          <a:prstGeom prst="rect">
+            <a:avLst/>
+          </a:prstGeom>
+          <a:noFill/>
+          <a:ln>
+            <a:solidFill>
+              <a:schemeClr val="tx1"/>
+            </a:solidFill>
+          </a:ln>
+          <a:effectLst/>
+        </p:spPr>
+        <p:style>
+          <a:lnRef idx="1">
+            <a:schemeClr val="accent1"/>
+          </a:lnRef>
+          <a:fillRef idx="3">
+            <a:schemeClr val="accent1"/>
+          </a:fillRef>
+          <a:effectRef idx="2">
+            <a:schemeClr val="accent1"/>
+          </a:effectRef>
+          <a:fontRef idx="minor">
+            <a:schemeClr val="lt1"/>
+          </a:fontRef>
+        </p:style>
+        <p:txBody>
+          <a:bodyPr rtlCol="0" anchor="ctr"/>
+          <a:lstStyle/>
+          <a:p>
+            <a:pPr algn="ctr"/>
+            <a:endParaRPr lang="en-US" dirty="0" smtClean="0"/>
+          </a:p>
+          <a:p>
+            <a:pPr algn="ctr"/>
+            <a:r>
+              <a:rPr lang="en-US" dirty="0" smtClean="0"/>
+              <a:t/>
+            </a:r>
+          </a:p>
+          <a:p>
+            <a:pPr algn="ctr"/>
+            <a:r>
+              <a:rPr lang="en-US" dirty="0"/>
+              <a:t/>
+            </a:r>
+            <a:endParaRPr lang="en-US" dirty="0"/>
+          </a:p>
+        </p:txBody>
+      </p:sp>
+      <p:sp>
+        <p:nvSpPr>
+          <p:cNvPr id="10" name="Rectangle 9"/>
+          <p:cNvSpPr/>
+          <p:nvPr/>
+        </p:nvSpPr>
+        <p:spPr>
+          <a:xfrm>
+            <a:off x="5818053" y="3950428"/>
+            <a:ext cx="849853" cy="387999"/>
+          </a:xfrm>
+          <a:prstGeom prst="rect">
+            <a:avLst/>
+          </a:prstGeom>
+          <a:noFill/>
+          <a:ln>
+            <a:solidFill>
+              <a:schemeClr val="tx1"/>
+            </a:solidFill>
+          </a:ln>
+          <a:effectLst/>
+        </p:spPr>
+        <p:style>
+          <a:lnRef idx="1">
+            <a:schemeClr val="accent1"/>
+          </a:lnRef>
+          <a:fillRef idx="3">
+            <a:schemeClr val="accent1"/>
+          </a:fillRef>
+          <a:effectRef idx="2">
+            <a:schemeClr val="accent1"/>
+          </a:effectRef>
+          <a:fontRef idx="minor">
+            <a:schemeClr val="lt1"/>
+          </a:fontRef>
+        </p:style>
+        <p:txBody>
+          <a:bodyPr rtlCol="0" anchor="ctr"/>
+          <a:lstStyle/>
+          <a:p>
+            <a:pPr algn="ctr"/>
+            <a:endParaRPr lang="en-US" dirty="0" smtClean="0"/>
+          </a:p>
+          <a:p>
+            <a:pPr algn="ctr"/>
+            <a:r>
+              <a:rPr lang="en-US" dirty="0" smtClean="0"/>
+              <a:t/>
+            </a:r>
+          </a:p>
+          <a:p>
+            <a:pPr algn="ctr"/>
+            <a:r>
+              <a:rPr lang="en-US" dirty="0"/>
+              <a:t/>
+            </a:r>
+            <a:endParaRPr lang="en-US" dirty="0"/>
+          </a:p>
+        </p:txBody>
+      </p:sp>
+      <p:cxnSp>
+        <p:nvCxnSpPr>
+          <p:cNvPr id="3" name="Elbow Connector 2"/>
+          <p:cNvCxnSpPr>
+            <a:stCxn id="7" idx="2"/>
+            <a:endCxn id="10" idx="0"/>
+          </p:cNvCxnSpPr>
+          <p:nvPr/>
+        </p:nvCxnSpPr>
+        <p:spPr>
+          <a:xfrm rot="5400000">
+            <a:off x="6321522" y="3585838"/>
+            <a:ext cx="286048" cy="443132"/>
+          </a:xfrm>
+          <a:prstGeom prst="bentConnector3">
+            <a:avLst/>
+          </a:prstGeom>
+          <a:ln w="12700">
+            <a:solidFill>
+              <a:schemeClr val="tx1"/>
+            </a:solidFill>
+          </a:ln>
+          <a:effectLst/>
+        </p:spPr>
+        <p:style>
+          <a:lnRef idx="2">
+            <a:schemeClr val="accent1"/>
+          </a:lnRef>
+          <a:fillRef idx="0">
+            <a:schemeClr val="accent1"/>
+          </a:fillRef>
+          <a:effectRef idx="1">
+            <a:schemeClr val="accent1"/>
+          </a:effectRef>
+          <a:fontRef idx="minor">
+            <a:schemeClr val="tx1"/>
+          </a:fontRef>
+        </p:style>
+      </p:cxnSp>
+      <p:cxnSp>
+        <p:nvCxnSpPr>
+          <p:cNvPr id="13" name="Elbow Connector 12"/>
+          <p:cNvCxnSpPr>
+            <a:stCxn id="7" idx="2"/>
+            <a:endCxn id="8" idx="0"/>
+          </p:cNvCxnSpPr>
+          <p:nvPr/>
+        </p:nvCxnSpPr>
+        <p:spPr>
+          <a:xfrm rot="16200000" flipH="1">
+            <a:off x="6819171" y="3531321"/>
+            <a:ext cx="293929" cy="560046"/>
+          </a:xfrm>
+          <a:prstGeom prst="bentConnector3">
+            <a:avLst/>
+          </a:prstGeom>
+          <a:ln w="12700">
+            <a:solidFill>
+              <a:schemeClr val="tx1"/>
+            </a:solidFill>
+          </a:ln>
+          <a:effectLst/>
+        </p:spPr>
+        <p:style>
+          <a:lnRef idx="2">
+            <a:schemeClr val="accent1"/>
+          </a:lnRef>
+          <a:fillRef idx="0">
+            <a:schemeClr val="accent1"/>
+          </a:fillRef>
+          <a:effectRef idx="1">
+            <a:schemeClr val="accent1"/>
+          </a:effectRef>
+          <a:fontRef idx="minor">
+            <a:schemeClr val="tx1"/>
+          </a:fontRef>
+        </p:style>
+      </p:cxnSp>
+      <p:sp>
+        <p:nvSpPr>
+          <p:cNvPr id="14" name="Rectangle 13"/>
+          <p:cNvSpPr/>
+          <p:nvPr/>
+        </p:nvSpPr>
+        <p:spPr>
+          <a:xfrm>
+            <a:off x="6414510" y="4715255"/>
+            <a:ext cx="849853" cy="387999"/>
+          </a:xfrm>
+          <a:prstGeom prst="rect">
+            <a:avLst/>
+          </a:prstGeom>
+          <a:noFill/>
+          <a:ln>
+            <a:solidFill>
+              <a:schemeClr val="tx1"/>
+            </a:solidFill>
+          </a:ln>
+          <a:effectLst/>
+        </p:spPr>
+        <p:style>
+          <a:lnRef idx="1">
+            <a:schemeClr val="accent1"/>
+          </a:lnRef>
+          <a:fillRef idx="3">
+            <a:schemeClr val="accent1"/>
+          </a:fillRef>
+          <a:effectRef idx="2">
+            <a:schemeClr val="accent1"/>
+          </a:effectRef>
+          <a:fontRef idx="minor">
+            <a:schemeClr val="lt1"/>
+          </a:fontRef>
+        </p:style>
+        <p:txBody>
+          <a:bodyPr rtlCol="0" anchor="ctr"/>
+          <a:lstStyle/>
+          <a:p>
+            <a:pPr algn="ctr"/>
+            <a:endParaRPr lang="en-US" dirty="0" smtClean="0"/>
+          </a:p>
+          <a:p>
+            <a:pPr algn="ctr"/>
+            <a:r>
+              <a:rPr lang="en-US" dirty="0" smtClean="0"/>
+              <a:t/>
+            </a:r>
+          </a:p>
+          <a:p>
+            <a:pPr algn="ctr"/>
+            <a:r>
+              <a:rPr lang="en-US" dirty="0"/>
+              <a:t/>
+            </a:r>
+            <a:endParaRPr lang="en-US" dirty="0"/>
+          </a:p>
+        </p:txBody>
+      </p:sp>
+      <p:sp>
+        <p:nvSpPr>
+          <p:cNvPr id="15" name="Rectangle 14"/>
+          <p:cNvSpPr/>
+          <p:nvPr/>
+        </p:nvSpPr>
+        <p:spPr>
+          <a:xfrm>
+            <a:off x="5411332" y="4707374"/>
+            <a:ext cx="849853" cy="387999"/>
+          </a:xfrm>
+          <a:prstGeom prst="rect">
+            <a:avLst/>
+          </a:prstGeom>
+          <a:noFill/>
+          <a:ln>
+            <a:solidFill>
+              <a:schemeClr val="tx1"/>
+            </a:solidFill>
+          </a:ln>
+          <a:effectLst/>
+        </p:spPr>
+        <p:style>
+          <a:lnRef idx="1">
+            <a:schemeClr val="accent1"/>
+          </a:lnRef>
+          <a:fillRef idx="3">
+            <a:schemeClr val="accent1"/>
+          </a:fillRef>
+          <a:effectRef idx="2">
+            <a:schemeClr val="accent1"/>
+          </a:effectRef>
+          <a:fontRef idx="minor">
+            <a:schemeClr val="lt1"/>
+          </a:fontRef>
+        </p:style>
+        <p:txBody>
+          <a:bodyPr rtlCol="0" anchor="ctr"/>
+          <a:lstStyle/>
+          <a:p>
+            <a:pPr algn="ctr"/>
+            <a:endParaRPr lang="en-US" dirty="0" smtClean="0"/>
+          </a:p>
+          <a:p>
+            <a:pPr algn="ctr"/>
+            <a:r>
+              <a:rPr lang="en-US" dirty="0" smtClean="0"/>
+              <a:t/>
+            </a:r>
+          </a:p>
+          <a:p>
+            <a:pPr algn="ctr"/>
+            <a:r>
+              <a:rPr lang="en-US" dirty="0"/>
+              <a:t/>
+            </a:r>
+            <a:endParaRPr lang="en-US" dirty="0"/>
+          </a:p>
+        </p:txBody>
+      </p:sp>
+      <p:cxnSp>
+        <p:nvCxnSpPr>
+          <p:cNvPr id="16" name="Elbow Connector 15"/>
+          <p:cNvCxnSpPr>
+            <a:stCxn id="10" idx="2"/>
+            <a:endCxn id="15" idx="0"/>
+          </p:cNvCxnSpPr>
+          <p:nvPr/>
+        </p:nvCxnSpPr>
+        <p:spPr>
+          <a:xfrm rot="5400000">
+            <a:off x="5855147" y="4319540"/>
+            <a:ext cx="368947" cy="406721"/>
+          </a:xfrm>
+          <a:prstGeom prst="bentConnector3">
+            <a:avLst/>
+          </a:prstGeom>
+          <a:ln w="12700">
+            <a:solidFill>
+              <a:schemeClr val="tx1"/>
+            </a:solidFill>
+          </a:ln>
+          <a:effectLst/>
+        </p:spPr>
+        <p:style>
+          <a:lnRef idx="2">
+            <a:schemeClr val="accent1"/>
+          </a:lnRef>
+          <a:fillRef idx="0">
+            <a:schemeClr val="accent1"/>
+          </a:fillRef>
+          <a:effectRef idx="1">
+            <a:schemeClr val="accent1"/>
+          </a:effectRef>
+          <a:fontRef idx="minor">
+            <a:schemeClr val="tx1"/>
+          </a:fontRef>
+        </p:style>
+      </p:cxnSp>
+      <p:cxnSp>
+        <p:nvCxnSpPr>
+          <p:cNvPr id="17" name="Elbow Connector 16"/>
+          <p:cNvCxnSpPr>
+            <a:stCxn id="10" idx="2"/>
+            <a:endCxn id="14" idx="0"/>
+          </p:cNvCxnSpPr>
+          <p:nvPr/>
+        </p:nvCxnSpPr>
+        <p:spPr>
+          <a:xfrm rot="16200000" flipH="1">
+            <a:off x="6352794" y="4228612"/>
+            <a:ext cx="376828" cy="596457"/>
+          </a:xfrm>
+          <a:prstGeom prst="bentConnector3">
+            <a:avLst/>
+          </a:prstGeom>
+          <a:ln w="12700">
+            <a:solidFill>
+              <a:schemeClr val="tx1"/>
+            </a:solidFill>
+          </a:ln>
+          <a:effectLst/>
+        </p:spPr>
+        <p:style>
+          <a:lnRef idx="2">
+            <a:schemeClr val="accent1"/>
+          </a:lnRef>
+          <a:fillRef idx="0">
+            <a:schemeClr val="accent1"/>
+          </a:fillRef>
+          <a:effectRef idx="1">
+            <a:schemeClr val="accent1"/>
+          </a:effectRef>
+          <a:fontRef idx="minor">
+            <a:schemeClr val="tx1"/>
+          </a:fontRef>
+        </p:style>
+      </p:cxnSp>
+      <p:sp>
+        <p:nvSpPr>
+          <p:cNvPr id="23" name="TextBox 22"/>
+          <p:cNvSpPr txBox="1"/>
+          <p:nvPr/>
+        </p:nvSpPr>
+        <p:spPr>
+          <a:xfrm>
+            <a:off x="6037319" y="5133788"/>
+            <a:ext cx="1421114" cy="369332"/>
+          </a:xfrm>
+          <a:prstGeom prst="rect">
+            <a:avLst/>
+          </a:prstGeom>
+          <a:noFill/>
+        </p:spPr>
+        <p:txBody>
+          <a:bodyPr wrap="square" rtlCol="0">
+            <a:spAutoFit/>
+          </a:bodyPr>
+          <a:lstStyle/>
+          <a:p>
+            <a:r>
+              <a:rPr lang="en-US" dirty="0" smtClean="0"/>
+              <a:t>Syntax Tree</a:t>
+            </a:r>
+            <a:endParaRPr lang="en-US" dirty="0"/>
+          </a:p>
+        </p:txBody>
+      </p:sp>
+      <p:sp>
+        <p:nvSpPr>
+          <p:cNvPr id="24" name="Oval 23"/>
+          <p:cNvSpPr/>
+          <p:nvPr/>
+        </p:nvSpPr>
+        <p:spPr>
+          <a:xfrm>
+            <a:off x="4673723" y="2313995"/>
+            <a:ext cx="798493" cy="820319"/>
+          </a:xfrm>
+          <a:prstGeom prst="ellipse">
+            <a:avLst/>
+          </a:prstGeom>
+          <a:solidFill>
+            <a:schemeClr val="bg1"/>
+          </a:solidFill>
+          <a:ln>
+            <a:solidFill>
+              <a:schemeClr val="tx1"/>
+            </a:solidFill>
+          </a:ln>
+          <a:effectLst/>
+        </p:spPr>
+        <p:style>
+          <a:lnRef idx="1">
+            <a:schemeClr val="accent1"/>
+          </a:lnRef>
+          <a:fillRef idx="3">
+            <a:schemeClr val="accent1"/>
+          </a:fillRef>
+          <a:effectRef idx="2">
+            <a:schemeClr val="accent1"/>
+          </a:effectRef>
+          <a:fontRef idx="minor">
+            <a:schemeClr val="lt1"/>
+          </a:fontRef>
+        </p:style>
+        <p:txBody>
+          <a:bodyPr rtlCol="0" anchor="ctr"/>
+          <a:lstStyle/>
+          <a:p>
+            <a:pPr algn="ctr"/>
+            <a:endParaRPr lang="en-US"/>
+          </a:p>
+        </p:txBody>
+      </p:sp>
+      <p:sp>
+        <p:nvSpPr>
+          <p:cNvPr id="25" name="TextBox 24"/>
+          <p:cNvSpPr txBox="1"/>
+          <p:nvPr/>
+        </p:nvSpPr>
+        <p:spPr>
+          <a:xfrm>
+            <a:off x="2347128" y="2194150"/>
+            <a:ext cx="1206445" cy="369332"/>
+          </a:xfrm>
+          <a:prstGeom prst="rect">
+            <a:avLst/>
+          </a:prstGeom>
+          <a:noFill/>
+        </p:spPr>
+        <p:txBody>
+          <a:bodyPr wrap="square" rtlCol="0">
+            <a:spAutoFit/>
+          </a:bodyPr>
+          <a:lstStyle/>
+          <a:p>
+            <a:r>
+              <a:rPr lang="en-US" dirty="0" smtClean="0"/>
+              <a:t>Grammar</a:t>
+            </a:r>
+            <a:endParaRPr lang="en-US" dirty="0"/>
+          </a:p>
+        </p:txBody>
+      </p:sp>
+      <p:sp>
+        <p:nvSpPr>
+          <p:cNvPr id="26" name="TextBox 25"/>
+          <p:cNvSpPr txBox="1"/>
+          <p:nvPr/>
+        </p:nvSpPr>
+        <p:spPr>
+          <a:xfrm>
+            <a:off x="2553713" y="1265753"/>
+            <a:ext cx="1206308" cy="369332"/>
+          </a:xfrm>
+          <a:prstGeom prst="rect">
+            <a:avLst/>
+          </a:prstGeom>
+          <a:noFill/>
+        </p:spPr>
+        <p:txBody>
+          <a:bodyPr wrap="square" rtlCol="0">
+            <a:spAutoFit/>
+          </a:bodyPr>
+          <a:lstStyle/>
+          <a:p>
+            <a:r>
+              <a:rPr lang="en-US" dirty="0" smtClean="0"/>
+              <a:t>Input Text</a:t>
+            </a:r>
+            <a:endParaRPr lang="en-US" dirty="0"/>
+          </a:p>
+        </p:txBody>
+      </p:sp>
+      <p:sp>
+        <p:nvSpPr>
+          <p:cNvPr id="28" name="Bent Arrow 27"/>
+          <p:cNvSpPr/>
+          <p:nvPr/>
+        </p:nvSpPr>
+        <p:spPr>
+          <a:xfrm rot="5400000">
+            <a:off x="6229350" y="2504387"/>
+            <a:ext cx="516492" cy="679601"/>
+          </a:xfrm>
+          <a:prstGeom prst="bentArrow">
+            <a:avLst/>
+          </a:prstGeom>
+          <a:solidFill>
+            <a:schemeClr val="bg1">
+              <a:lumMod val="75000"/>
+            </a:schemeClr>
+          </a:solidFill>
+          <a:ln>
+            <a:solidFill>
+              <a:schemeClr val="tx1"/>
+            </a:solidFill>
+          </a:ln>
+        </p:spPr>
+        <p:style>
+          <a:lnRef idx="1">
+            <a:schemeClr val="accent1"/>
+          </a:lnRef>
+          <a:fillRef idx="3">
+            <a:schemeClr val="accent1"/>
+          </a:fillRef>
+          <a:effectRef idx="2">
+            <a:schemeClr val="accent1"/>
+          </a:effectRef>
+          <a:fontRef idx="minor">
+            <a:schemeClr val="lt1"/>
+          </a:fontRef>
+        </p:style>
+        <p:txBody>
+          <a:bodyPr rtlCol="0" anchor="ctr"/>
+          <a:lstStyle/>
+          <a:p>
+            <a:pPr algn="ctr"/>
+            <a:endParaRPr lang="en-US">
+              <a:solidFill>
+                <a:schemeClr val="tx1"/>
+              </a:solidFill>
+            </a:endParaRPr>
+          </a:p>
+        </p:txBody>
+      </p:sp>
+      <p:sp>
+        <p:nvSpPr>
+          <p:cNvPr id="29" name="Bent Arrow 28"/>
+          <p:cNvSpPr/>
+          <p:nvPr/>
+        </p:nvSpPr>
+        <p:spPr>
+          <a:xfrm rot="5400000">
+            <a:off x="4166539" y="1184199"/>
+            <a:ext cx="516492" cy="679601"/>
+          </a:xfrm>
+          <a:prstGeom prst="bentArrow">
+            <a:avLst/>
+          </a:prstGeom>
+          <a:solidFill>
+            <a:schemeClr val="bg1">
+              <a:lumMod val="75000"/>
+            </a:schemeClr>
+          </a:solidFill>
+          <a:ln>
+            <a:solidFill>
+              <a:schemeClr val="tx1"/>
+            </a:solidFill>
+          </a:ln>
+        </p:spPr>
+        <p:style>
+          <a:lnRef idx="1">
+            <a:schemeClr val="accent1"/>
+          </a:lnRef>
+          <a:fillRef idx="3">
+            <a:schemeClr val="accent1"/>
+          </a:fillRef>
+          <a:effectRef idx="2">
+            <a:schemeClr val="accent1"/>
+          </a:effectRef>
+          <a:fontRef idx="minor">
+            <a:schemeClr val="lt1"/>
+          </a:fontRef>
+        </p:style>
+        <p:txBody>
+          <a:bodyPr rtlCol="0" anchor="ctr"/>
+          <a:lstStyle/>
+          <a:p>
+            <a:pPr algn="ctr"/>
+            <a:endParaRPr lang="en-US">
+              <a:solidFill>
+                <a:schemeClr val="tx1"/>
+              </a:solidFill>
+            </a:endParaRPr>
+          </a:p>
+        </p:txBody>
+      </p:sp>
+      <p:sp>
+        <p:nvSpPr>
+          <p:cNvPr id="30" name="Right Arrow 29"/>
+          <p:cNvSpPr/>
+          <p:nvPr/>
+        </p:nvSpPr>
+        <p:spPr>
+          <a:xfrm>
+            <a:off x="3705973" y="2215634"/>
+            <a:ext cx="653206" cy="347848"/>
+          </a:xfrm>
+          <a:prstGeom prst="rightArrow">
+            <a:avLst/>
+          </a:prstGeom>
+          <a:solidFill>
+            <a:schemeClr val="bg1">
+              <a:lumMod val="75000"/>
+            </a:schemeClr>
+          </a:solidFill>
+          <a:ln>
+            <a:solidFill>
+              <a:schemeClr val="tx1"/>
+            </a:solidFill>
+          </a:ln>
+        </p:spPr>
+        <p:style>
+          <a:lnRef idx="1">
+            <a:schemeClr val="accent1"/>
+          </a:lnRef>
+          <a:fillRef idx="3">
+            <a:schemeClr val="accent1"/>
+          </a:fillRef>
+          <a:effectRef idx="2">
+            <a:schemeClr val="accent1"/>
+          </a:effectRef>
+          <a:fontRef idx="minor">
+            <a:schemeClr val="lt1"/>
+          </a:fontRef>
+        </p:style>
+        <p:txBody>
+          <a:bodyPr rtlCol="0" anchor="ctr"/>
+          <a:lstStyle/>
+          <a:p>
+            <a:pPr algn="ctr"/>
+            <a:endParaRPr lang="en-US"/>
+          </a:p>
+        </p:txBody>
+      </p:sp>
+      <p:sp>
+        <p:nvSpPr>
+          <p:cNvPr id="31" name="TextBox 30"/>
+          <p:cNvSpPr txBox="1"/>
+          <p:nvPr/>
+        </p:nvSpPr>
+        <p:spPr>
+          <a:xfrm>
+            <a:off x="4359179" y="3668169"/>
+            <a:ext cx="975808" cy="369332"/>
+          </a:xfrm>
+          <a:prstGeom prst="rect">
+            <a:avLst/>
+          </a:prstGeom>
+          <a:noFill/>
+        </p:spPr>
+        <p:txBody>
+          <a:bodyPr wrap="square" rtlCol="0">
+            <a:spAutoFit/>
+          </a:bodyPr>
+          <a:lstStyle/>
+          <a:p>
+            <a:r>
+              <a:rPr lang="en-US" dirty="0" smtClean="0"/>
+              <a:t>Parser</a:t>
+            </a:r>
+            <a:endParaRPr lang="en-US" dirty="0"/>
+          </a:p>
+        </p:txBody>
+      </p:sp>
     </p:spTree>
     <p:extLst>
       <p:ext uri="{BB962C8B-B14F-4D97-AF65-F5344CB8AC3E}">
         <p14:creationId xmlns:p14="http://schemas.microsoft.com/office/powerpoint/2010/main" val="4292516844"/>
+      </p:ext>
+    </p:extLst>
+  </p:cSld>
+  <p:clrMapOvr>
+    <a:masterClrMapping/>
+  </p:clrMapOvr>
+</p:sld>
+</file>
+
+<file path=ppt/slides/slide3.xml><?xml version="1.0" encoding="utf-8"?>
+<p:sld xmlns:a="http://schemas.openxmlformats.org/drawingml/2006/main" xmlns:r="http://schemas.openxmlformats.org/officeDocument/2006/relationships" xmlns:p="http://schemas.openxmlformats.org/presentationml/2006/main">
+  <p:cSld>
+    <p:spTree>
+      <p:nvGrpSpPr>
+        <p:cNvPr id="1" name=""/>
+        <p:cNvGrpSpPr/>
+        <p:nvPr/>
+      </p:nvGrpSpPr>
+      <p:grpSpPr>
+        <a:xfrm>
+          <a:off x="0" y="0"/>
+          <a:ext cx="0" cy="0"/>
+          <a:chOff x="0" y="0"/>
+          <a:chExt cx="0" cy="0"/>
+        </a:xfrm>
+      </p:grpSpPr>
+      <p:sp>
+        <p:nvSpPr>
+          <p:cNvPr id="4" name="TextBox 3"/>
+          <p:cNvSpPr txBox="1"/>
+          <p:nvPr/>
+        </p:nvSpPr>
+        <p:spPr>
+          <a:xfrm>
+            <a:off x="2180949" y="1269941"/>
+            <a:ext cx="615814" cy="369332"/>
+          </a:xfrm>
+          <a:prstGeom prst="rect">
+            <a:avLst/>
+          </a:prstGeom>
+          <a:noFill/>
+        </p:spPr>
+        <p:txBody>
+          <a:bodyPr wrap="square" rtlCol="0">
+            <a:spAutoFit/>
+          </a:bodyPr>
+          <a:lstStyle/>
+          <a:p>
+            <a:r>
+              <a:rPr lang="en-US" i="1" dirty="0" smtClean="0"/>
+              <a:t>list</a:t>
+            </a:r>
+            <a:endParaRPr lang="en-US" i="1" dirty="0"/>
+          </a:p>
+        </p:txBody>
+      </p:sp>
+      <p:sp>
+        <p:nvSpPr>
+          <p:cNvPr id="5" name="TextBox 4"/>
+          <p:cNvSpPr txBox="1"/>
+          <p:nvPr/>
+        </p:nvSpPr>
+        <p:spPr>
+          <a:xfrm>
+            <a:off x="1563608" y="1951180"/>
+            <a:ext cx="2681312" cy="369332"/>
+          </a:xfrm>
+          <a:prstGeom prst="rect">
+            <a:avLst/>
+          </a:prstGeom>
+          <a:noFill/>
+        </p:spPr>
+        <p:txBody>
+          <a:bodyPr wrap="square" rtlCol="0">
+            <a:spAutoFit/>
+          </a:bodyPr>
+          <a:lstStyle/>
+          <a:p>
+            <a:r>
+              <a:rPr lang="en-US" dirty="0" smtClean="0"/>
+              <a:t>[</a:t>
+            </a:r>
+            <a:r>
+              <a:rPr lang="en-US" i="1" dirty="0" smtClean="0"/>
+              <a:t>    elements        </a:t>
+            </a:r>
+            <a:r>
+              <a:rPr lang="en-US" dirty="0" smtClean="0"/>
+              <a:t>]</a:t>
+            </a:r>
+            <a:endParaRPr lang="en-US" dirty="0"/>
+          </a:p>
+        </p:txBody>
+      </p:sp>
+      <p:sp>
+        <p:nvSpPr>
+          <p:cNvPr id="6" name="TextBox 5"/>
+          <p:cNvSpPr txBox="1"/>
+          <p:nvPr/>
+        </p:nvSpPr>
+        <p:spPr>
+          <a:xfrm>
+            <a:off x="756929" y="2834633"/>
+            <a:ext cx="3476710" cy="369332"/>
+          </a:xfrm>
+          <a:prstGeom prst="rect">
+            <a:avLst/>
+          </a:prstGeom>
+          <a:noFill/>
+        </p:spPr>
+        <p:txBody>
+          <a:bodyPr wrap="square" rtlCol="0">
+            <a:spAutoFit/>
+          </a:bodyPr>
+          <a:lstStyle/>
+          <a:p>
+            <a:r>
+              <a:rPr lang="en-US" i="1" dirty="0" smtClean="0"/>
+              <a:t>element   </a:t>
+            </a:r>
+            <a:r>
+              <a:rPr lang="en-US" dirty="0" smtClean="0"/>
+              <a:t> ,    </a:t>
+            </a:r>
+            <a:r>
+              <a:rPr lang="en-US" i="1" dirty="0" smtClean="0"/>
+              <a:t>element   </a:t>
+            </a:r>
+            <a:r>
+              <a:rPr lang="en-US" dirty="0" smtClean="0"/>
+              <a:t>,</a:t>
+            </a:r>
+            <a:r>
+              <a:rPr lang="en-US" i="1" dirty="0" smtClean="0"/>
+              <a:t>    element</a:t>
+            </a:r>
+            <a:endParaRPr lang="en-US" i="1" dirty="0"/>
+          </a:p>
+        </p:txBody>
+      </p:sp>
+      <p:sp>
+        <p:nvSpPr>
+          <p:cNvPr id="7" name="TextBox 6"/>
+          <p:cNvSpPr txBox="1"/>
+          <p:nvPr/>
+        </p:nvSpPr>
+        <p:spPr>
+          <a:xfrm>
+            <a:off x="768210" y="3538637"/>
+            <a:ext cx="3476710" cy="369332"/>
+          </a:xfrm>
+          <a:prstGeom prst="rect">
+            <a:avLst/>
+          </a:prstGeom>
+          <a:noFill/>
+        </p:spPr>
+        <p:txBody>
+          <a:bodyPr wrap="square" rtlCol="0">
+            <a:spAutoFit/>
+          </a:bodyPr>
+          <a:lstStyle/>
+          <a:p>
+            <a:r>
+              <a:rPr lang="en-US" i="1" dirty="0"/>
+              <a:t> </a:t>
+            </a:r>
+            <a:r>
+              <a:rPr lang="en-US" i="1" dirty="0" smtClean="0"/>
+              <a:t>     </a:t>
+            </a:r>
+            <a:r>
+              <a:rPr lang="en-US" dirty="0" smtClean="0"/>
+              <a:t> a                     b                      c</a:t>
+            </a:r>
+            <a:endParaRPr lang="en-US" i="1" dirty="0"/>
+          </a:p>
+        </p:txBody>
+      </p:sp>
+      <p:cxnSp>
+        <p:nvCxnSpPr>
+          <p:cNvPr id="9" name="Straight Arrow Connector 8"/>
+          <p:cNvCxnSpPr>
+            <a:stCxn id="4" idx="2"/>
+          </p:cNvCxnSpPr>
+          <p:nvPr/>
+        </p:nvCxnSpPr>
+        <p:spPr>
+          <a:xfrm flipH="1">
+            <a:off x="1757600" y="1639273"/>
+            <a:ext cx="731256" cy="311907"/>
+          </a:xfrm>
+          <a:prstGeom prst="straightConnector1">
+            <a:avLst/>
+          </a:prstGeom>
+          <a:ln w="12700" cmpd="sng">
+            <a:solidFill>
+              <a:schemeClr val="tx1"/>
+            </a:solidFill>
+            <a:tailEnd type="arrow"/>
+          </a:ln>
+          <a:effectLst/>
+        </p:spPr>
+        <p:style>
+          <a:lnRef idx="2">
+            <a:schemeClr val="accent1"/>
+          </a:lnRef>
+          <a:fillRef idx="0">
+            <a:schemeClr val="accent1"/>
+          </a:fillRef>
+          <a:effectRef idx="1">
+            <a:schemeClr val="accent1"/>
+          </a:effectRef>
+          <a:fontRef idx="minor">
+            <a:schemeClr val="tx1"/>
+          </a:fontRef>
+        </p:style>
+      </p:cxnSp>
+      <p:cxnSp>
+        <p:nvCxnSpPr>
+          <p:cNvPr id="11" name="Straight Arrow Connector 10"/>
+          <p:cNvCxnSpPr>
+            <a:stCxn id="4" idx="2"/>
+          </p:cNvCxnSpPr>
+          <p:nvPr/>
+        </p:nvCxnSpPr>
+        <p:spPr>
+          <a:xfrm>
+            <a:off x="2488856" y="1639273"/>
+            <a:ext cx="0" cy="311907"/>
+          </a:xfrm>
+          <a:prstGeom prst="straightConnector1">
+            <a:avLst/>
+          </a:prstGeom>
+          <a:ln w="12700" cmpd="sng">
+            <a:solidFill>
+              <a:schemeClr val="tx1"/>
+            </a:solidFill>
+            <a:tailEnd type="arrow"/>
+          </a:ln>
+          <a:effectLst/>
+        </p:spPr>
+        <p:style>
+          <a:lnRef idx="2">
+            <a:schemeClr val="accent1"/>
+          </a:lnRef>
+          <a:fillRef idx="0">
+            <a:schemeClr val="accent1"/>
+          </a:fillRef>
+          <a:effectRef idx="1">
+            <a:schemeClr val="accent1"/>
+          </a:effectRef>
+          <a:fontRef idx="minor">
+            <a:schemeClr val="tx1"/>
+          </a:fontRef>
+        </p:style>
+      </p:cxnSp>
+      <p:cxnSp>
+        <p:nvCxnSpPr>
+          <p:cNvPr id="12" name="Straight Arrow Connector 11"/>
+          <p:cNvCxnSpPr>
+            <a:stCxn id="4" idx="2"/>
+          </p:cNvCxnSpPr>
+          <p:nvPr/>
+        </p:nvCxnSpPr>
+        <p:spPr>
+          <a:xfrm>
+            <a:off x="2488856" y="1639273"/>
+            <a:ext cx="731269" cy="311907"/>
+          </a:xfrm>
+          <a:prstGeom prst="straightConnector1">
+            <a:avLst/>
+          </a:prstGeom>
+          <a:ln w="12700" cmpd="sng">
+            <a:solidFill>
+              <a:schemeClr val="tx1"/>
+            </a:solidFill>
+            <a:tailEnd type="arrow"/>
+          </a:ln>
+          <a:effectLst/>
+        </p:spPr>
+        <p:style>
+          <a:lnRef idx="2">
+            <a:schemeClr val="accent1"/>
+          </a:lnRef>
+          <a:fillRef idx="0">
+            <a:schemeClr val="accent1"/>
+          </a:fillRef>
+          <a:effectRef idx="1">
+            <a:schemeClr val="accent1"/>
+          </a:effectRef>
+          <a:fontRef idx="minor">
+            <a:schemeClr val="tx1"/>
+          </a:fontRef>
+        </p:style>
+      </p:cxnSp>
+      <p:cxnSp>
+        <p:nvCxnSpPr>
+          <p:cNvPr id="17" name="Straight Arrow Connector 16"/>
+          <p:cNvCxnSpPr/>
+          <p:nvPr/>
+        </p:nvCxnSpPr>
+        <p:spPr>
+          <a:xfrm>
+            <a:off x="3687097" y="3174000"/>
+            <a:ext cx="0" cy="457200"/>
+          </a:xfrm>
+          <a:prstGeom prst="straightConnector1">
+            <a:avLst/>
+          </a:prstGeom>
+          <a:ln w="12700" cmpd="sng">
+            <a:solidFill>
+              <a:schemeClr val="tx1"/>
+            </a:solidFill>
+            <a:tailEnd type="arrow"/>
+          </a:ln>
+          <a:effectLst/>
+        </p:spPr>
+        <p:style>
+          <a:lnRef idx="2">
+            <a:schemeClr val="accent1"/>
+          </a:lnRef>
+          <a:fillRef idx="0">
+            <a:schemeClr val="accent1"/>
+          </a:fillRef>
+          <a:effectRef idx="1">
+            <a:schemeClr val="accent1"/>
+          </a:effectRef>
+          <a:fontRef idx="minor">
+            <a:schemeClr val="tx1"/>
+          </a:fontRef>
+        </p:style>
+      </p:cxnSp>
+      <p:cxnSp>
+        <p:nvCxnSpPr>
+          <p:cNvPr id="18" name="Straight Arrow Connector 17"/>
+          <p:cNvCxnSpPr>
+            <a:endCxn id="6" idx="0"/>
+          </p:cNvCxnSpPr>
+          <p:nvPr/>
+        </p:nvCxnSpPr>
+        <p:spPr>
+          <a:xfrm>
+            <a:off x="2431128" y="2316958"/>
+            <a:ext cx="64156" cy="517675"/>
+          </a:xfrm>
+          <a:prstGeom prst="straightConnector1">
+            <a:avLst/>
+          </a:prstGeom>
+          <a:ln w="12700" cmpd="sng">
+            <a:solidFill>
+              <a:schemeClr val="tx1"/>
+            </a:solidFill>
+            <a:tailEnd type="arrow"/>
+          </a:ln>
+          <a:effectLst/>
+        </p:spPr>
+        <p:style>
+          <a:lnRef idx="2">
+            <a:schemeClr val="accent1"/>
+          </a:lnRef>
+          <a:fillRef idx="0">
+            <a:schemeClr val="accent1"/>
+          </a:fillRef>
+          <a:effectRef idx="1">
+            <a:schemeClr val="accent1"/>
+          </a:effectRef>
+          <a:fontRef idx="minor">
+            <a:schemeClr val="tx1"/>
+          </a:fontRef>
+        </p:style>
+      </p:cxnSp>
+      <p:cxnSp>
+        <p:nvCxnSpPr>
+          <p:cNvPr id="19" name="Straight Arrow Connector 18"/>
+          <p:cNvCxnSpPr/>
+          <p:nvPr/>
+        </p:nvCxnSpPr>
+        <p:spPr>
+          <a:xfrm>
+            <a:off x="2432194" y="2320512"/>
+            <a:ext cx="557006" cy="606046"/>
+          </a:xfrm>
+          <a:prstGeom prst="straightConnector1">
+            <a:avLst/>
+          </a:prstGeom>
+          <a:ln w="12700" cmpd="sng">
+            <a:solidFill>
+              <a:schemeClr val="tx1"/>
+            </a:solidFill>
+            <a:tailEnd type="arrow"/>
+          </a:ln>
+          <a:effectLst/>
+        </p:spPr>
+        <p:style>
+          <a:lnRef idx="2">
+            <a:schemeClr val="accent1"/>
+          </a:lnRef>
+          <a:fillRef idx="0">
+            <a:schemeClr val="accent1"/>
+          </a:fillRef>
+          <a:effectRef idx="1">
+            <a:schemeClr val="accent1"/>
+          </a:effectRef>
+          <a:fontRef idx="minor">
+            <a:schemeClr val="tx1"/>
+          </a:fontRef>
+        </p:style>
+      </p:cxnSp>
+      <p:cxnSp>
+        <p:nvCxnSpPr>
+          <p:cNvPr id="20" name="Straight Arrow Connector 19"/>
+          <p:cNvCxnSpPr/>
+          <p:nvPr/>
+        </p:nvCxnSpPr>
+        <p:spPr>
+          <a:xfrm>
+            <a:off x="2432194" y="2320513"/>
+            <a:ext cx="1108660" cy="606045"/>
+          </a:xfrm>
+          <a:prstGeom prst="straightConnector1">
+            <a:avLst/>
+          </a:prstGeom>
+          <a:ln w="12700" cmpd="sng">
+            <a:solidFill>
+              <a:schemeClr val="tx1"/>
+            </a:solidFill>
+            <a:tailEnd type="arrow"/>
+          </a:ln>
+          <a:effectLst/>
+        </p:spPr>
+        <p:style>
+          <a:lnRef idx="2">
+            <a:schemeClr val="accent1"/>
+          </a:lnRef>
+          <a:fillRef idx="0">
+            <a:schemeClr val="accent1"/>
+          </a:fillRef>
+          <a:effectRef idx="1">
+            <a:schemeClr val="accent1"/>
+          </a:effectRef>
+          <a:fontRef idx="minor">
+            <a:schemeClr val="tx1"/>
+          </a:fontRef>
+        </p:style>
+      </p:cxnSp>
+      <p:cxnSp>
+        <p:nvCxnSpPr>
+          <p:cNvPr id="21" name="Straight Arrow Connector 20"/>
+          <p:cNvCxnSpPr/>
+          <p:nvPr/>
+        </p:nvCxnSpPr>
+        <p:spPr>
+          <a:xfrm flipH="1">
+            <a:off x="1757601" y="2320513"/>
+            <a:ext cx="673527" cy="606045"/>
+          </a:xfrm>
+          <a:prstGeom prst="straightConnector1">
+            <a:avLst/>
+          </a:prstGeom>
+          <a:ln w="12700" cmpd="sng">
+            <a:solidFill>
+              <a:schemeClr val="tx1"/>
+            </a:solidFill>
+            <a:tailEnd type="arrow"/>
+          </a:ln>
+          <a:effectLst/>
+        </p:spPr>
+        <p:style>
+          <a:lnRef idx="2">
+            <a:schemeClr val="accent1"/>
+          </a:lnRef>
+          <a:fillRef idx="0">
+            <a:schemeClr val="accent1"/>
+          </a:fillRef>
+          <a:effectRef idx="1">
+            <a:schemeClr val="accent1"/>
+          </a:effectRef>
+          <a:fontRef idx="minor">
+            <a:schemeClr val="tx1"/>
+          </a:fontRef>
+        </p:style>
+      </p:cxnSp>
+      <p:cxnSp>
+        <p:nvCxnSpPr>
+          <p:cNvPr id="22" name="Straight Arrow Connector 21"/>
+          <p:cNvCxnSpPr/>
+          <p:nvPr/>
+        </p:nvCxnSpPr>
+        <p:spPr>
+          <a:xfrm flipH="1">
+            <a:off x="1167456" y="2320513"/>
+            <a:ext cx="1263672" cy="606045"/>
+          </a:xfrm>
+          <a:prstGeom prst="straightConnector1">
+            <a:avLst/>
+          </a:prstGeom>
+          <a:ln w="12700" cmpd="sng">
+            <a:solidFill>
+              <a:schemeClr val="tx1"/>
+            </a:solidFill>
+            <a:tailEnd type="arrow"/>
+          </a:ln>
+          <a:effectLst/>
+        </p:spPr>
+        <p:style>
+          <a:lnRef idx="2">
+            <a:schemeClr val="accent1"/>
+          </a:lnRef>
+          <a:fillRef idx="0">
+            <a:schemeClr val="accent1"/>
+          </a:fillRef>
+          <a:effectRef idx="1">
+            <a:schemeClr val="accent1"/>
+          </a:effectRef>
+          <a:fontRef idx="minor">
+            <a:schemeClr val="tx1"/>
+          </a:fontRef>
+        </p:style>
+      </p:cxnSp>
+      <p:cxnSp>
+        <p:nvCxnSpPr>
+          <p:cNvPr id="23" name="Straight Arrow Connector 22"/>
+          <p:cNvCxnSpPr/>
+          <p:nvPr/>
+        </p:nvCxnSpPr>
+        <p:spPr>
+          <a:xfrm>
+            <a:off x="2745344" y="4221139"/>
+            <a:ext cx="731269" cy="311907"/>
+          </a:xfrm>
+          <a:prstGeom prst="straightConnector1">
+            <a:avLst/>
+          </a:prstGeom>
+          <a:ln w="12700" cmpd="sng">
+            <a:solidFill>
+              <a:schemeClr val="tx1"/>
+            </a:solidFill>
+            <a:tailEnd type="arrow"/>
+          </a:ln>
+          <a:effectLst/>
+        </p:spPr>
+        <p:style>
+          <a:lnRef idx="2">
+            <a:schemeClr val="accent1"/>
+          </a:lnRef>
+          <a:fillRef idx="0">
+            <a:schemeClr val="accent1"/>
+          </a:fillRef>
+          <a:effectRef idx="1">
+            <a:schemeClr val="accent1"/>
+          </a:effectRef>
+          <a:fontRef idx="minor">
+            <a:schemeClr val="tx1"/>
+          </a:fontRef>
+        </p:style>
+      </p:cxnSp>
+      <p:cxnSp>
+        <p:nvCxnSpPr>
+          <p:cNvPr id="24" name="Straight Arrow Connector 23"/>
+          <p:cNvCxnSpPr/>
+          <p:nvPr/>
+        </p:nvCxnSpPr>
+        <p:spPr>
+          <a:xfrm>
+            <a:off x="2897744" y="4373539"/>
+            <a:ext cx="731269" cy="311907"/>
+          </a:xfrm>
+          <a:prstGeom prst="straightConnector1">
+            <a:avLst/>
+          </a:prstGeom>
+          <a:ln w="12700" cmpd="sng">
+            <a:solidFill>
+              <a:schemeClr val="tx1"/>
+            </a:solidFill>
+            <a:tailEnd type="arrow"/>
+          </a:ln>
+          <a:effectLst/>
+        </p:spPr>
+        <p:style>
+          <a:lnRef idx="2">
+            <a:schemeClr val="accent1"/>
+          </a:lnRef>
+          <a:fillRef idx="0">
+            <a:schemeClr val="accent1"/>
+          </a:fillRef>
+          <a:effectRef idx="1">
+            <a:schemeClr val="accent1"/>
+          </a:effectRef>
+          <a:fontRef idx="minor">
+            <a:schemeClr val="tx1"/>
+          </a:fontRef>
+        </p:style>
+      </p:cxnSp>
+      <p:cxnSp>
+        <p:nvCxnSpPr>
+          <p:cNvPr id="25" name="Straight Arrow Connector 24"/>
+          <p:cNvCxnSpPr/>
+          <p:nvPr/>
+        </p:nvCxnSpPr>
+        <p:spPr>
+          <a:xfrm>
+            <a:off x="3050144" y="4525939"/>
+            <a:ext cx="731269" cy="311907"/>
+          </a:xfrm>
+          <a:prstGeom prst="straightConnector1">
+            <a:avLst/>
+          </a:prstGeom>
+          <a:ln w="12700" cmpd="sng">
+            <a:solidFill>
+              <a:schemeClr val="tx1"/>
+            </a:solidFill>
+            <a:tailEnd type="arrow"/>
+          </a:ln>
+          <a:effectLst/>
+        </p:spPr>
+        <p:style>
+          <a:lnRef idx="2">
+            <a:schemeClr val="accent1"/>
+          </a:lnRef>
+          <a:fillRef idx="0">
+            <a:schemeClr val="accent1"/>
+          </a:fillRef>
+          <a:effectRef idx="1">
+            <a:schemeClr val="accent1"/>
+          </a:effectRef>
+          <a:fontRef idx="minor">
+            <a:schemeClr val="tx1"/>
+          </a:fontRef>
+        </p:style>
+      </p:cxnSp>
+      <p:cxnSp>
+        <p:nvCxnSpPr>
+          <p:cNvPr id="26" name="Straight Arrow Connector 25"/>
+          <p:cNvCxnSpPr/>
+          <p:nvPr/>
+        </p:nvCxnSpPr>
+        <p:spPr>
+          <a:xfrm>
+            <a:off x="3202544" y="4678339"/>
+            <a:ext cx="731269" cy="311907"/>
+          </a:xfrm>
+          <a:prstGeom prst="straightConnector1">
+            <a:avLst/>
+          </a:prstGeom>
+          <a:ln w="12700" cmpd="sng">
+            <a:solidFill>
+              <a:schemeClr val="tx1"/>
+            </a:solidFill>
+            <a:tailEnd type="arrow"/>
+          </a:ln>
+          <a:effectLst/>
+        </p:spPr>
+        <p:style>
+          <a:lnRef idx="2">
+            <a:schemeClr val="accent1"/>
+          </a:lnRef>
+          <a:fillRef idx="0">
+            <a:schemeClr val="accent1"/>
+          </a:fillRef>
+          <a:effectRef idx="1">
+            <a:schemeClr val="accent1"/>
+          </a:effectRef>
+          <a:fontRef idx="minor">
+            <a:schemeClr val="tx1"/>
+          </a:fontRef>
+        </p:style>
+      </p:cxnSp>
+      <p:cxnSp>
+        <p:nvCxnSpPr>
+          <p:cNvPr id="27" name="Straight Arrow Connector 26"/>
+          <p:cNvCxnSpPr/>
+          <p:nvPr/>
+        </p:nvCxnSpPr>
+        <p:spPr>
+          <a:xfrm>
+            <a:off x="3354944" y="4830739"/>
+            <a:ext cx="731269" cy="311907"/>
+          </a:xfrm>
+          <a:prstGeom prst="straightConnector1">
+            <a:avLst/>
+          </a:prstGeom>
+          <a:ln w="12700" cmpd="sng">
+            <a:solidFill>
+              <a:schemeClr val="tx1"/>
+            </a:solidFill>
+            <a:tailEnd type="arrow"/>
+          </a:ln>
+          <a:effectLst/>
+        </p:spPr>
+        <p:style>
+          <a:lnRef idx="2">
+            <a:schemeClr val="accent1"/>
+          </a:lnRef>
+          <a:fillRef idx="0">
+            <a:schemeClr val="accent1"/>
+          </a:fillRef>
+          <a:effectRef idx="1">
+            <a:schemeClr val="accent1"/>
+          </a:effectRef>
+          <a:fontRef idx="minor">
+            <a:schemeClr val="tx1"/>
+          </a:fontRef>
+        </p:style>
+      </p:cxnSp>
+      <p:cxnSp>
+        <p:nvCxnSpPr>
+          <p:cNvPr id="28" name="Straight Arrow Connector 27"/>
+          <p:cNvCxnSpPr/>
+          <p:nvPr/>
+        </p:nvCxnSpPr>
+        <p:spPr>
+          <a:xfrm>
+            <a:off x="3507344" y="4983139"/>
+            <a:ext cx="731269" cy="311907"/>
+          </a:xfrm>
+          <a:prstGeom prst="straightConnector1">
+            <a:avLst/>
+          </a:prstGeom>
+          <a:ln w="12700" cmpd="sng">
+            <a:solidFill>
+              <a:schemeClr val="tx1"/>
+            </a:solidFill>
+            <a:tailEnd type="arrow"/>
+          </a:ln>
+          <a:effectLst/>
+        </p:spPr>
+        <p:style>
+          <a:lnRef idx="2">
+            <a:schemeClr val="accent1"/>
+          </a:lnRef>
+          <a:fillRef idx="0">
+            <a:schemeClr val="accent1"/>
+          </a:fillRef>
+          <a:effectRef idx="1">
+            <a:schemeClr val="accent1"/>
+          </a:effectRef>
+          <a:fontRef idx="minor">
+            <a:schemeClr val="tx1"/>
+          </a:fontRef>
+        </p:style>
+      </p:cxnSp>
+      <p:cxnSp>
+        <p:nvCxnSpPr>
+          <p:cNvPr id="42" name="Straight Arrow Connector 41"/>
+          <p:cNvCxnSpPr/>
+          <p:nvPr/>
+        </p:nvCxnSpPr>
+        <p:spPr>
+          <a:xfrm>
+            <a:off x="2477385" y="3155158"/>
+            <a:ext cx="0" cy="457200"/>
+          </a:xfrm>
+          <a:prstGeom prst="straightConnector1">
+            <a:avLst/>
+          </a:prstGeom>
+          <a:ln w="12700" cmpd="sng">
+            <a:solidFill>
+              <a:schemeClr val="tx1"/>
+            </a:solidFill>
+            <a:tailEnd type="arrow"/>
+          </a:ln>
+          <a:effectLst/>
+        </p:spPr>
+        <p:style>
+          <a:lnRef idx="2">
+            <a:schemeClr val="accent1"/>
+          </a:lnRef>
+          <a:fillRef idx="0">
+            <a:schemeClr val="accent1"/>
+          </a:fillRef>
+          <a:effectRef idx="1">
+            <a:schemeClr val="accent1"/>
+          </a:effectRef>
+          <a:fontRef idx="minor">
+            <a:schemeClr val="tx1"/>
+          </a:fontRef>
+        </p:style>
+      </p:cxnSp>
+      <p:cxnSp>
+        <p:nvCxnSpPr>
+          <p:cNvPr id="43" name="Straight Arrow Connector 42"/>
+          <p:cNvCxnSpPr/>
+          <p:nvPr/>
+        </p:nvCxnSpPr>
+        <p:spPr>
+          <a:xfrm>
+            <a:off x="1253269" y="3174000"/>
+            <a:ext cx="0" cy="457200"/>
+          </a:xfrm>
+          <a:prstGeom prst="straightConnector1">
+            <a:avLst/>
+          </a:prstGeom>
+          <a:ln w="12700" cmpd="sng">
+            <a:solidFill>
+              <a:schemeClr val="tx1"/>
+            </a:solidFill>
+            <a:tailEnd type="arrow"/>
+          </a:ln>
+          <a:effectLst/>
+        </p:spPr>
+        <p:style>
+          <a:lnRef idx="2">
+            <a:schemeClr val="accent1"/>
+          </a:lnRef>
+          <a:fillRef idx="0">
+            <a:schemeClr val="accent1"/>
+          </a:fillRef>
+          <a:effectRef idx="1">
+            <a:schemeClr val="accent1"/>
+          </a:effectRef>
+          <a:fontRef idx="minor">
+            <a:schemeClr val="tx1"/>
+          </a:fontRef>
+        </p:style>
+      </p:cxnSp>
+      <p:sp>
+        <p:nvSpPr>
+          <p:cNvPr id="44" name="TextBox 43"/>
+          <p:cNvSpPr txBox="1"/>
+          <p:nvPr/>
+        </p:nvSpPr>
+        <p:spPr>
+          <a:xfrm>
+            <a:off x="5933283" y="1269941"/>
+            <a:ext cx="615814" cy="369332"/>
+          </a:xfrm>
+          <a:prstGeom prst="rect">
+            <a:avLst/>
+          </a:prstGeom>
+          <a:noFill/>
+        </p:spPr>
+        <p:txBody>
+          <a:bodyPr wrap="square" rtlCol="0">
+            <a:spAutoFit/>
+          </a:bodyPr>
+          <a:lstStyle/>
+          <a:p>
+            <a:r>
+              <a:rPr lang="en-US" i="1" dirty="0" smtClean="0"/>
+              <a:t>list</a:t>
+            </a:r>
+            <a:endParaRPr lang="en-US" i="1" dirty="0"/>
+          </a:p>
+        </p:txBody>
+      </p:sp>
+      <p:sp>
+        <p:nvSpPr>
+          <p:cNvPr id="45" name="TextBox 44"/>
+          <p:cNvSpPr txBox="1"/>
+          <p:nvPr/>
+        </p:nvSpPr>
+        <p:spPr>
+          <a:xfrm>
+            <a:off x="5315942" y="1951180"/>
+            <a:ext cx="2681312" cy="369332"/>
+          </a:xfrm>
+          <a:prstGeom prst="rect">
+            <a:avLst/>
+          </a:prstGeom>
+          <a:noFill/>
+        </p:spPr>
+        <p:txBody>
+          <a:bodyPr wrap="square" rtlCol="0">
+            <a:spAutoFit/>
+          </a:bodyPr>
+          <a:lstStyle/>
+          <a:p>
+            <a:r>
+              <a:rPr lang="en-US" dirty="0" smtClean="0"/>
+              <a:t>[</a:t>
+            </a:r>
+            <a:r>
+              <a:rPr lang="en-US" i="1" dirty="0" smtClean="0"/>
+              <a:t>    elements        </a:t>
+            </a:r>
+            <a:r>
+              <a:rPr lang="en-US" dirty="0" smtClean="0"/>
+              <a:t>]</a:t>
+            </a:r>
+            <a:endParaRPr lang="en-US" dirty="0"/>
+          </a:p>
+        </p:txBody>
+      </p:sp>
+      <p:sp>
+        <p:nvSpPr>
+          <p:cNvPr id="46" name="TextBox 45"/>
+          <p:cNvSpPr txBox="1"/>
+          <p:nvPr/>
+        </p:nvSpPr>
+        <p:spPr>
+          <a:xfrm>
+            <a:off x="4509263" y="2834633"/>
+            <a:ext cx="3476710" cy="369332"/>
+          </a:xfrm>
+          <a:prstGeom prst="rect">
+            <a:avLst/>
+          </a:prstGeom>
+          <a:noFill/>
+        </p:spPr>
+        <p:txBody>
+          <a:bodyPr wrap="square" rtlCol="0">
+            <a:spAutoFit/>
+          </a:bodyPr>
+          <a:lstStyle/>
+          <a:p>
+            <a:r>
+              <a:rPr lang="en-US" i="1" dirty="0" smtClean="0"/>
+              <a:t>element   </a:t>
+            </a:r>
+            <a:r>
+              <a:rPr lang="en-US" dirty="0" smtClean="0"/>
+              <a:t> ,    </a:t>
+            </a:r>
+            <a:r>
+              <a:rPr lang="en-US" i="1" dirty="0" smtClean="0"/>
+              <a:t>element   </a:t>
+            </a:r>
+            <a:r>
+              <a:rPr lang="en-US" dirty="0" smtClean="0"/>
+              <a:t>,</a:t>
+            </a:r>
+            <a:r>
+              <a:rPr lang="en-US" i="1" dirty="0" smtClean="0"/>
+              <a:t>    element</a:t>
+            </a:r>
+            <a:endParaRPr lang="en-US" i="1" dirty="0"/>
+          </a:p>
+        </p:txBody>
+      </p:sp>
+      <p:sp>
+        <p:nvSpPr>
+          <p:cNvPr id="47" name="TextBox 46"/>
+          <p:cNvSpPr txBox="1"/>
+          <p:nvPr/>
+        </p:nvSpPr>
+        <p:spPr>
+          <a:xfrm>
+            <a:off x="4520544" y="3538637"/>
+            <a:ext cx="3476710" cy="369332"/>
+          </a:xfrm>
+          <a:prstGeom prst="rect">
+            <a:avLst/>
+          </a:prstGeom>
+          <a:noFill/>
+        </p:spPr>
+        <p:txBody>
+          <a:bodyPr wrap="square" rtlCol="0">
+            <a:spAutoFit/>
+          </a:bodyPr>
+          <a:lstStyle/>
+          <a:p>
+            <a:r>
+              <a:rPr lang="en-US" i="1" dirty="0"/>
+              <a:t> </a:t>
+            </a:r>
+            <a:r>
+              <a:rPr lang="en-US" i="1" dirty="0" smtClean="0"/>
+              <a:t>     </a:t>
+            </a:r>
+            <a:r>
+              <a:rPr lang="en-US" dirty="0" smtClean="0"/>
+              <a:t> a                   </a:t>
+            </a:r>
+            <a:r>
+              <a:rPr lang="en-US" i="1" dirty="0" smtClean="0"/>
+              <a:t>list</a:t>
+            </a:r>
+            <a:r>
+              <a:rPr lang="en-US" dirty="0" smtClean="0"/>
+              <a:t>                    d</a:t>
+            </a:r>
+            <a:endParaRPr lang="en-US" i="1" dirty="0"/>
+          </a:p>
+        </p:txBody>
+      </p:sp>
+      <p:cxnSp>
+        <p:nvCxnSpPr>
+          <p:cNvPr id="48" name="Straight Arrow Connector 47"/>
+          <p:cNvCxnSpPr>
+            <a:stCxn id="44" idx="2"/>
+          </p:cNvCxnSpPr>
+          <p:nvPr/>
+        </p:nvCxnSpPr>
+        <p:spPr>
+          <a:xfrm flipH="1">
+            <a:off x="5509934" y="1639273"/>
+            <a:ext cx="731256" cy="311907"/>
+          </a:xfrm>
+          <a:prstGeom prst="straightConnector1">
+            <a:avLst/>
+          </a:prstGeom>
+          <a:ln w="12700" cmpd="sng">
+            <a:solidFill>
+              <a:schemeClr val="tx1"/>
+            </a:solidFill>
+            <a:tailEnd type="arrow"/>
+          </a:ln>
+          <a:effectLst/>
+        </p:spPr>
+        <p:style>
+          <a:lnRef idx="2">
+            <a:schemeClr val="accent1"/>
+          </a:lnRef>
+          <a:fillRef idx="0">
+            <a:schemeClr val="accent1"/>
+          </a:fillRef>
+          <a:effectRef idx="1">
+            <a:schemeClr val="accent1"/>
+          </a:effectRef>
+          <a:fontRef idx="minor">
+            <a:schemeClr val="tx1"/>
+          </a:fontRef>
+        </p:style>
+      </p:cxnSp>
+      <p:cxnSp>
+        <p:nvCxnSpPr>
+          <p:cNvPr id="49" name="Straight Arrow Connector 48"/>
+          <p:cNvCxnSpPr>
+            <a:stCxn id="44" idx="2"/>
+          </p:cNvCxnSpPr>
+          <p:nvPr/>
+        </p:nvCxnSpPr>
+        <p:spPr>
+          <a:xfrm>
+            <a:off x="6241190" y="1639273"/>
+            <a:ext cx="0" cy="311907"/>
+          </a:xfrm>
+          <a:prstGeom prst="straightConnector1">
+            <a:avLst/>
+          </a:prstGeom>
+          <a:ln w="12700" cmpd="sng">
+            <a:solidFill>
+              <a:schemeClr val="tx1"/>
+            </a:solidFill>
+            <a:tailEnd type="arrow"/>
+          </a:ln>
+          <a:effectLst/>
+        </p:spPr>
+        <p:style>
+          <a:lnRef idx="2">
+            <a:schemeClr val="accent1"/>
+          </a:lnRef>
+          <a:fillRef idx="0">
+            <a:schemeClr val="accent1"/>
+          </a:fillRef>
+          <a:effectRef idx="1">
+            <a:schemeClr val="accent1"/>
+          </a:effectRef>
+          <a:fontRef idx="minor">
+            <a:schemeClr val="tx1"/>
+          </a:fontRef>
+        </p:style>
+      </p:cxnSp>
+      <p:cxnSp>
+        <p:nvCxnSpPr>
+          <p:cNvPr id="50" name="Straight Arrow Connector 49"/>
+          <p:cNvCxnSpPr>
+            <a:stCxn id="44" idx="2"/>
+          </p:cNvCxnSpPr>
+          <p:nvPr/>
+        </p:nvCxnSpPr>
+        <p:spPr>
+          <a:xfrm>
+            <a:off x="6241190" y="1639273"/>
+            <a:ext cx="731269" cy="311907"/>
+          </a:xfrm>
+          <a:prstGeom prst="straightConnector1">
+            <a:avLst/>
+          </a:prstGeom>
+          <a:ln w="12700" cmpd="sng">
+            <a:solidFill>
+              <a:schemeClr val="tx1"/>
+            </a:solidFill>
+            <a:tailEnd type="arrow"/>
+          </a:ln>
+          <a:effectLst/>
+        </p:spPr>
+        <p:style>
+          <a:lnRef idx="2">
+            <a:schemeClr val="accent1"/>
+          </a:lnRef>
+          <a:fillRef idx="0">
+            <a:schemeClr val="accent1"/>
+          </a:fillRef>
+          <a:effectRef idx="1">
+            <a:schemeClr val="accent1"/>
+          </a:effectRef>
+          <a:fontRef idx="minor">
+            <a:schemeClr val="tx1"/>
+          </a:fontRef>
+        </p:style>
+      </p:cxnSp>
+      <p:cxnSp>
+        <p:nvCxnSpPr>
+          <p:cNvPr id="51" name="Straight Arrow Connector 50"/>
+          <p:cNvCxnSpPr/>
+          <p:nvPr/>
+        </p:nvCxnSpPr>
+        <p:spPr>
+          <a:xfrm>
+            <a:off x="7439431" y="3174000"/>
+            <a:ext cx="0" cy="457200"/>
+          </a:xfrm>
+          <a:prstGeom prst="straightConnector1">
+            <a:avLst/>
+          </a:prstGeom>
+          <a:ln w="12700" cmpd="sng">
+            <a:solidFill>
+              <a:schemeClr val="tx1"/>
+            </a:solidFill>
+            <a:tailEnd type="arrow"/>
+          </a:ln>
+          <a:effectLst/>
+        </p:spPr>
+        <p:style>
+          <a:lnRef idx="2">
+            <a:schemeClr val="accent1"/>
+          </a:lnRef>
+          <a:fillRef idx="0">
+            <a:schemeClr val="accent1"/>
+          </a:fillRef>
+          <a:effectRef idx="1">
+            <a:schemeClr val="accent1"/>
+          </a:effectRef>
+          <a:fontRef idx="minor">
+            <a:schemeClr val="tx1"/>
+          </a:fontRef>
+        </p:style>
+      </p:cxnSp>
+      <p:cxnSp>
+        <p:nvCxnSpPr>
+          <p:cNvPr id="52" name="Straight Arrow Connector 51"/>
+          <p:cNvCxnSpPr>
+            <a:endCxn id="46" idx="0"/>
+          </p:cNvCxnSpPr>
+          <p:nvPr/>
+        </p:nvCxnSpPr>
+        <p:spPr>
+          <a:xfrm>
+            <a:off x="6183462" y="2316958"/>
+            <a:ext cx="64156" cy="517675"/>
+          </a:xfrm>
+          <a:prstGeom prst="straightConnector1">
+            <a:avLst/>
+          </a:prstGeom>
+          <a:ln w="12700" cmpd="sng">
+            <a:solidFill>
+              <a:schemeClr val="tx1"/>
+            </a:solidFill>
+            <a:tailEnd type="arrow"/>
+          </a:ln>
+          <a:effectLst/>
+        </p:spPr>
+        <p:style>
+          <a:lnRef idx="2">
+            <a:schemeClr val="accent1"/>
+          </a:lnRef>
+          <a:fillRef idx="0">
+            <a:schemeClr val="accent1"/>
+          </a:fillRef>
+          <a:effectRef idx="1">
+            <a:schemeClr val="accent1"/>
+          </a:effectRef>
+          <a:fontRef idx="minor">
+            <a:schemeClr val="tx1"/>
+          </a:fontRef>
+        </p:style>
+      </p:cxnSp>
+      <p:cxnSp>
+        <p:nvCxnSpPr>
+          <p:cNvPr id="53" name="Straight Arrow Connector 52"/>
+          <p:cNvCxnSpPr/>
+          <p:nvPr/>
+        </p:nvCxnSpPr>
+        <p:spPr>
+          <a:xfrm>
+            <a:off x="6184528" y="2320512"/>
+            <a:ext cx="557006" cy="606046"/>
+          </a:xfrm>
+          <a:prstGeom prst="straightConnector1">
+            <a:avLst/>
+          </a:prstGeom>
+          <a:ln w="12700" cmpd="sng">
+            <a:solidFill>
+              <a:schemeClr val="tx1"/>
+            </a:solidFill>
+            <a:tailEnd type="arrow"/>
+          </a:ln>
+          <a:effectLst/>
+        </p:spPr>
+        <p:style>
+          <a:lnRef idx="2">
+            <a:schemeClr val="accent1"/>
+          </a:lnRef>
+          <a:fillRef idx="0">
+            <a:schemeClr val="accent1"/>
+          </a:fillRef>
+          <a:effectRef idx="1">
+            <a:schemeClr val="accent1"/>
+          </a:effectRef>
+          <a:fontRef idx="minor">
+            <a:schemeClr val="tx1"/>
+          </a:fontRef>
+        </p:style>
+      </p:cxnSp>
+      <p:cxnSp>
+        <p:nvCxnSpPr>
+          <p:cNvPr id="54" name="Straight Arrow Connector 53"/>
+          <p:cNvCxnSpPr/>
+          <p:nvPr/>
+        </p:nvCxnSpPr>
+        <p:spPr>
+          <a:xfrm>
+            <a:off x="6184528" y="2320513"/>
+            <a:ext cx="1108660" cy="606045"/>
+          </a:xfrm>
+          <a:prstGeom prst="straightConnector1">
+            <a:avLst/>
+          </a:prstGeom>
+          <a:ln w="12700" cmpd="sng">
+            <a:solidFill>
+              <a:schemeClr val="tx1"/>
+            </a:solidFill>
+            <a:tailEnd type="arrow"/>
+          </a:ln>
+          <a:effectLst/>
+        </p:spPr>
+        <p:style>
+          <a:lnRef idx="2">
+            <a:schemeClr val="accent1"/>
+          </a:lnRef>
+          <a:fillRef idx="0">
+            <a:schemeClr val="accent1"/>
+          </a:fillRef>
+          <a:effectRef idx="1">
+            <a:schemeClr val="accent1"/>
+          </a:effectRef>
+          <a:fontRef idx="minor">
+            <a:schemeClr val="tx1"/>
+          </a:fontRef>
+        </p:style>
+      </p:cxnSp>
+      <p:cxnSp>
+        <p:nvCxnSpPr>
+          <p:cNvPr id="55" name="Straight Arrow Connector 54"/>
+          <p:cNvCxnSpPr/>
+          <p:nvPr/>
+        </p:nvCxnSpPr>
+        <p:spPr>
+          <a:xfrm flipH="1">
+            <a:off x="5509935" y="2320513"/>
+            <a:ext cx="673527" cy="606045"/>
+          </a:xfrm>
+          <a:prstGeom prst="straightConnector1">
+            <a:avLst/>
+          </a:prstGeom>
+          <a:ln w="12700" cmpd="sng">
+            <a:solidFill>
+              <a:schemeClr val="tx1"/>
+            </a:solidFill>
+            <a:tailEnd type="arrow"/>
+          </a:ln>
+          <a:effectLst/>
+        </p:spPr>
+        <p:style>
+          <a:lnRef idx="2">
+            <a:schemeClr val="accent1"/>
+          </a:lnRef>
+          <a:fillRef idx="0">
+            <a:schemeClr val="accent1"/>
+          </a:fillRef>
+          <a:effectRef idx="1">
+            <a:schemeClr val="accent1"/>
+          </a:effectRef>
+          <a:fontRef idx="minor">
+            <a:schemeClr val="tx1"/>
+          </a:fontRef>
+        </p:style>
+      </p:cxnSp>
+      <p:cxnSp>
+        <p:nvCxnSpPr>
+          <p:cNvPr id="56" name="Straight Arrow Connector 55"/>
+          <p:cNvCxnSpPr/>
+          <p:nvPr/>
+        </p:nvCxnSpPr>
+        <p:spPr>
+          <a:xfrm flipH="1">
+            <a:off x="4919790" y="2320513"/>
+            <a:ext cx="1263672" cy="606045"/>
+          </a:xfrm>
+          <a:prstGeom prst="straightConnector1">
+            <a:avLst/>
+          </a:prstGeom>
+          <a:ln w="12700" cmpd="sng">
+            <a:solidFill>
+              <a:schemeClr val="tx1"/>
+            </a:solidFill>
+            <a:tailEnd type="arrow"/>
+          </a:ln>
+          <a:effectLst/>
+        </p:spPr>
+        <p:style>
+          <a:lnRef idx="2">
+            <a:schemeClr val="accent1"/>
+          </a:lnRef>
+          <a:fillRef idx="0">
+            <a:schemeClr val="accent1"/>
+          </a:fillRef>
+          <a:effectRef idx="1">
+            <a:schemeClr val="accent1"/>
+          </a:effectRef>
+          <a:fontRef idx="minor">
+            <a:schemeClr val="tx1"/>
+          </a:fontRef>
+        </p:style>
+      </p:cxnSp>
+      <p:cxnSp>
+        <p:nvCxnSpPr>
+          <p:cNvPr id="57" name="Straight Arrow Connector 56"/>
+          <p:cNvCxnSpPr/>
+          <p:nvPr/>
+        </p:nvCxnSpPr>
+        <p:spPr>
+          <a:xfrm>
+            <a:off x="6229719" y="3155158"/>
+            <a:ext cx="0" cy="457200"/>
+          </a:xfrm>
+          <a:prstGeom prst="straightConnector1">
+            <a:avLst/>
+          </a:prstGeom>
+          <a:ln w="12700" cmpd="sng">
+            <a:solidFill>
+              <a:schemeClr val="tx1"/>
+            </a:solidFill>
+            <a:tailEnd type="arrow"/>
+          </a:ln>
+          <a:effectLst/>
+        </p:spPr>
+        <p:style>
+          <a:lnRef idx="2">
+            <a:schemeClr val="accent1"/>
+          </a:lnRef>
+          <a:fillRef idx="0">
+            <a:schemeClr val="accent1"/>
+          </a:fillRef>
+          <a:effectRef idx="1">
+            <a:schemeClr val="accent1"/>
+          </a:effectRef>
+          <a:fontRef idx="minor">
+            <a:schemeClr val="tx1"/>
+          </a:fontRef>
+        </p:style>
+      </p:cxnSp>
+      <p:cxnSp>
+        <p:nvCxnSpPr>
+          <p:cNvPr id="58" name="Straight Arrow Connector 57"/>
+          <p:cNvCxnSpPr/>
+          <p:nvPr/>
+        </p:nvCxnSpPr>
+        <p:spPr>
+          <a:xfrm>
+            <a:off x="5005603" y="3174000"/>
+            <a:ext cx="0" cy="457200"/>
+          </a:xfrm>
+          <a:prstGeom prst="straightConnector1">
+            <a:avLst/>
+          </a:prstGeom>
+          <a:ln w="12700" cmpd="sng">
+            <a:solidFill>
+              <a:schemeClr val="tx1"/>
+            </a:solidFill>
+            <a:tailEnd type="arrow"/>
+          </a:ln>
+          <a:effectLst/>
+        </p:spPr>
+        <p:style>
+          <a:lnRef idx="2">
+            <a:schemeClr val="accent1"/>
+          </a:lnRef>
+          <a:fillRef idx="0">
+            <a:schemeClr val="accent1"/>
+          </a:fillRef>
+          <a:effectRef idx="1">
+            <a:schemeClr val="accent1"/>
+          </a:effectRef>
+          <a:fontRef idx="minor">
+            <a:schemeClr val="tx1"/>
+          </a:fontRef>
+        </p:style>
+      </p:cxnSp>
+      <p:sp>
+        <p:nvSpPr>
+          <p:cNvPr id="59" name="TextBox 58"/>
+          <p:cNvSpPr txBox="1"/>
+          <p:nvPr/>
+        </p:nvSpPr>
+        <p:spPr>
+          <a:xfrm>
+            <a:off x="5304661" y="4163714"/>
+            <a:ext cx="2681312" cy="369332"/>
+          </a:xfrm>
+          <a:prstGeom prst="rect">
+            <a:avLst/>
+          </a:prstGeom>
+          <a:noFill/>
+        </p:spPr>
+        <p:txBody>
+          <a:bodyPr wrap="square" rtlCol="0">
+            <a:spAutoFit/>
+          </a:bodyPr>
+          <a:lstStyle/>
+          <a:p>
+            <a:r>
+              <a:rPr lang="en-US" dirty="0" smtClean="0"/>
+              <a:t>[</a:t>
+            </a:r>
+            <a:r>
+              <a:rPr lang="en-US" i="1" dirty="0" smtClean="0"/>
+              <a:t>    elements        </a:t>
+            </a:r>
+            <a:r>
+              <a:rPr lang="en-US" dirty="0" smtClean="0"/>
+              <a:t>]</a:t>
+            </a:r>
+            <a:endParaRPr lang="en-US" dirty="0"/>
+          </a:p>
+        </p:txBody>
+      </p:sp>
+      <p:sp>
+        <p:nvSpPr>
+          <p:cNvPr id="60" name="TextBox 59"/>
+          <p:cNvSpPr txBox="1"/>
+          <p:nvPr/>
+        </p:nvSpPr>
+        <p:spPr>
+          <a:xfrm>
+            <a:off x="4497982" y="5047167"/>
+            <a:ext cx="3476710" cy="369332"/>
+          </a:xfrm>
+          <a:prstGeom prst="rect">
+            <a:avLst/>
+          </a:prstGeom>
+          <a:noFill/>
+        </p:spPr>
+        <p:txBody>
+          <a:bodyPr wrap="square" rtlCol="0">
+            <a:spAutoFit/>
+          </a:bodyPr>
+          <a:lstStyle/>
+          <a:p>
+            <a:r>
+              <a:rPr lang="en-US" i="1" dirty="0" smtClean="0"/>
+              <a:t>element   </a:t>
+            </a:r>
+            <a:r>
+              <a:rPr lang="en-US" dirty="0" smtClean="0"/>
+              <a:t> ,  </a:t>
+            </a:r>
+            <a:r>
+              <a:rPr lang="en-US" i="1" dirty="0" smtClean="0"/>
+              <a:t>    element</a:t>
+            </a:r>
+            <a:endParaRPr lang="en-US" i="1" dirty="0"/>
+          </a:p>
+        </p:txBody>
+      </p:sp>
+      <p:sp>
+        <p:nvSpPr>
+          <p:cNvPr id="61" name="TextBox 60"/>
+          <p:cNvSpPr txBox="1"/>
+          <p:nvPr/>
+        </p:nvSpPr>
+        <p:spPr>
+          <a:xfrm>
+            <a:off x="4509263" y="5751171"/>
+            <a:ext cx="3476710" cy="369332"/>
+          </a:xfrm>
+          <a:prstGeom prst="rect">
+            <a:avLst/>
+          </a:prstGeom>
+          <a:noFill/>
+        </p:spPr>
+        <p:txBody>
+          <a:bodyPr wrap="square" rtlCol="0">
+            <a:spAutoFit/>
+          </a:bodyPr>
+          <a:lstStyle/>
+          <a:p>
+            <a:r>
+              <a:rPr lang="en-US" dirty="0" smtClean="0"/>
+              <a:t>                b                      c</a:t>
+            </a:r>
+            <a:endParaRPr lang="en-US" i="1" dirty="0"/>
+          </a:p>
+        </p:txBody>
+      </p:sp>
+      <p:cxnSp>
+        <p:nvCxnSpPr>
+          <p:cNvPr id="62" name="Straight Arrow Connector 61"/>
+          <p:cNvCxnSpPr/>
+          <p:nvPr/>
+        </p:nvCxnSpPr>
+        <p:spPr>
+          <a:xfrm>
+            <a:off x="7428150" y="5386534"/>
+            <a:ext cx="0" cy="457200"/>
+          </a:xfrm>
+          <a:prstGeom prst="straightConnector1">
+            <a:avLst/>
+          </a:prstGeom>
+          <a:ln w="12700" cmpd="sng">
+            <a:solidFill>
+              <a:schemeClr val="tx1"/>
+            </a:solidFill>
+            <a:tailEnd type="arrow"/>
+          </a:ln>
+          <a:effectLst/>
+        </p:spPr>
+        <p:style>
+          <a:lnRef idx="2">
+            <a:schemeClr val="accent1"/>
+          </a:lnRef>
+          <a:fillRef idx="0">
+            <a:schemeClr val="accent1"/>
+          </a:fillRef>
+          <a:effectRef idx="1">
+            <a:schemeClr val="accent1"/>
+          </a:effectRef>
+          <a:fontRef idx="minor">
+            <a:schemeClr val="tx1"/>
+          </a:fontRef>
+        </p:style>
+      </p:cxnSp>
+      <p:cxnSp>
+        <p:nvCxnSpPr>
+          <p:cNvPr id="65" name="Straight Arrow Connector 64"/>
+          <p:cNvCxnSpPr/>
+          <p:nvPr/>
+        </p:nvCxnSpPr>
+        <p:spPr>
+          <a:xfrm>
+            <a:off x="6173247" y="4533047"/>
+            <a:ext cx="1108660" cy="606045"/>
+          </a:xfrm>
+          <a:prstGeom prst="straightConnector1">
+            <a:avLst/>
+          </a:prstGeom>
+          <a:ln w="12700" cmpd="sng">
+            <a:solidFill>
+              <a:schemeClr val="tx1"/>
+            </a:solidFill>
+            <a:tailEnd type="arrow"/>
+          </a:ln>
+          <a:effectLst/>
+        </p:spPr>
+        <p:style>
+          <a:lnRef idx="2">
+            <a:schemeClr val="accent1"/>
+          </a:lnRef>
+          <a:fillRef idx="0">
+            <a:schemeClr val="accent1"/>
+          </a:fillRef>
+          <a:effectRef idx="1">
+            <a:schemeClr val="accent1"/>
+          </a:effectRef>
+          <a:fontRef idx="minor">
+            <a:schemeClr val="tx1"/>
+          </a:fontRef>
+        </p:style>
+      </p:cxnSp>
+      <p:cxnSp>
+        <p:nvCxnSpPr>
+          <p:cNvPr id="67" name="Straight Arrow Connector 66"/>
+          <p:cNvCxnSpPr/>
+          <p:nvPr/>
+        </p:nvCxnSpPr>
+        <p:spPr>
+          <a:xfrm flipH="1">
+            <a:off x="4908509" y="4533047"/>
+            <a:ext cx="1263672" cy="606045"/>
+          </a:xfrm>
+          <a:prstGeom prst="straightConnector1">
+            <a:avLst/>
+          </a:prstGeom>
+          <a:ln w="12700" cmpd="sng">
+            <a:solidFill>
+              <a:schemeClr val="tx1"/>
+            </a:solidFill>
+            <a:tailEnd type="arrow"/>
+          </a:ln>
+          <a:effectLst/>
+        </p:spPr>
+        <p:style>
+          <a:lnRef idx="2">
+            <a:schemeClr val="accent1"/>
+          </a:lnRef>
+          <a:fillRef idx="0">
+            <a:schemeClr val="accent1"/>
+          </a:fillRef>
+          <a:effectRef idx="1">
+            <a:schemeClr val="accent1"/>
+          </a:effectRef>
+          <a:fontRef idx="minor">
+            <a:schemeClr val="tx1"/>
+          </a:fontRef>
+        </p:style>
+      </p:cxnSp>
+      <p:cxnSp>
+        <p:nvCxnSpPr>
+          <p:cNvPr id="68" name="Straight Arrow Connector 67"/>
+          <p:cNvCxnSpPr/>
+          <p:nvPr/>
+        </p:nvCxnSpPr>
+        <p:spPr>
+          <a:xfrm>
+            <a:off x="6218438" y="5367692"/>
+            <a:ext cx="0" cy="457200"/>
+          </a:xfrm>
+          <a:prstGeom prst="straightConnector1">
+            <a:avLst/>
+          </a:prstGeom>
+          <a:ln w="12700" cmpd="sng">
+            <a:solidFill>
+              <a:schemeClr val="tx1"/>
+            </a:solidFill>
+            <a:tailEnd type="arrow"/>
+          </a:ln>
+          <a:effectLst/>
+        </p:spPr>
+        <p:style>
+          <a:lnRef idx="2">
+            <a:schemeClr val="accent1"/>
+          </a:lnRef>
+          <a:fillRef idx="0">
+            <a:schemeClr val="accent1"/>
+          </a:fillRef>
+          <a:effectRef idx="1">
+            <a:schemeClr val="accent1"/>
+          </a:effectRef>
+          <a:fontRef idx="minor">
+            <a:schemeClr val="tx1"/>
+          </a:fontRef>
+        </p:style>
+      </p:cxnSp>
+      <p:cxnSp>
+        <p:nvCxnSpPr>
+          <p:cNvPr id="69" name="Straight Arrow Connector 68"/>
+          <p:cNvCxnSpPr/>
+          <p:nvPr/>
+        </p:nvCxnSpPr>
+        <p:spPr>
+          <a:xfrm>
+            <a:off x="4994322" y="5386534"/>
+            <a:ext cx="0" cy="457200"/>
+          </a:xfrm>
+          <a:prstGeom prst="straightConnector1">
+            <a:avLst/>
+          </a:prstGeom>
+          <a:ln w="12700" cmpd="sng">
+            <a:solidFill>
+              <a:schemeClr val="tx1"/>
+            </a:solidFill>
+            <a:tailEnd type="arrow"/>
+          </a:ln>
+          <a:effectLst/>
+        </p:spPr>
+        <p:style>
+          <a:lnRef idx="2">
+            <a:schemeClr val="accent1"/>
+          </a:lnRef>
+          <a:fillRef idx="0">
+            <a:schemeClr val="accent1"/>
+          </a:fillRef>
+          <a:effectRef idx="1">
+            <a:schemeClr val="accent1"/>
+          </a:effectRef>
+          <a:fontRef idx="minor">
+            <a:schemeClr val="tx1"/>
+          </a:fontRef>
+        </p:style>
+      </p:cxnSp>
+    </p:spTree>
+    <p:extLst>
+      <p:ext uri="{BB962C8B-B14F-4D97-AF65-F5344CB8AC3E}">
+        <p14:creationId xmlns:p14="http://schemas.microsoft.com/office/powerpoint/2010/main" val="408915974"/>
       </p:ext>
     </p:extLst>
   </p:cSld>

--- a/Lecture/images/bobs-images.pptx
+++ b/Lecture/images/bobs-images.pptx
@@ -4696,8 +4696,8 @@
         </p:nvCxnSpPr>
         <p:spPr>
           <a:xfrm>
-            <a:off x="2745344" y="4221139"/>
-            <a:ext cx="731269" cy="311907"/>
+            <a:off x="6220222" y="3835873"/>
+            <a:ext cx="809843" cy="457200"/>
           </a:xfrm>
           <a:prstGeom prst="straightConnector1">
             <a:avLst/>
@@ -4732,157 +4732,9 @@
           <p:nvPr/>
         </p:nvCxnSpPr>
         <p:spPr>
-          <a:xfrm>
-            <a:off x="2897744" y="4373539"/>
-            <a:ext cx="731269" cy="311907"/>
-          </a:xfrm>
-          <a:prstGeom prst="straightConnector1">
-            <a:avLst/>
-          </a:prstGeom>
-          <a:ln w="12700" cmpd="sng">
-            <a:solidFill>
-              <a:schemeClr val="tx1"/>
-            </a:solidFill>
-            <a:tailEnd type="arrow"/>
-          </a:ln>
-          <a:effectLst/>
-        </p:spPr>
-        <p:style>
-          <a:lnRef idx="2">
-            <a:schemeClr val="accent1"/>
-          </a:lnRef>
-          <a:fillRef idx="0">
-            <a:schemeClr val="accent1"/>
-          </a:fillRef>
-          <a:effectRef idx="1">
-            <a:schemeClr val="accent1"/>
-          </a:effectRef>
-          <a:fontRef idx="minor">
-            <a:schemeClr val="tx1"/>
-          </a:fontRef>
-        </p:style>
-      </p:cxnSp>
-      <p:cxnSp>
-        <p:nvCxnSpPr>
-          <p:cNvPr id="25" name="Straight Arrow Connector 24"/>
-          <p:cNvCxnSpPr/>
-          <p:nvPr/>
-        </p:nvCxnSpPr>
-        <p:spPr>
-          <a:xfrm>
-            <a:off x="3050144" y="4525939"/>
-            <a:ext cx="731269" cy="311907"/>
-          </a:xfrm>
-          <a:prstGeom prst="straightConnector1">
-            <a:avLst/>
-          </a:prstGeom>
-          <a:ln w="12700" cmpd="sng">
-            <a:solidFill>
-              <a:schemeClr val="tx1"/>
-            </a:solidFill>
-            <a:tailEnd type="arrow"/>
-          </a:ln>
-          <a:effectLst/>
-        </p:spPr>
-        <p:style>
-          <a:lnRef idx="2">
-            <a:schemeClr val="accent1"/>
-          </a:lnRef>
-          <a:fillRef idx="0">
-            <a:schemeClr val="accent1"/>
-          </a:fillRef>
-          <a:effectRef idx="1">
-            <a:schemeClr val="accent1"/>
-          </a:effectRef>
-          <a:fontRef idx="minor">
-            <a:schemeClr val="tx1"/>
-          </a:fontRef>
-        </p:style>
-      </p:cxnSp>
-      <p:cxnSp>
-        <p:nvCxnSpPr>
-          <p:cNvPr id="26" name="Straight Arrow Connector 25"/>
-          <p:cNvCxnSpPr/>
-          <p:nvPr/>
-        </p:nvCxnSpPr>
-        <p:spPr>
-          <a:xfrm>
-            <a:off x="3202544" y="4678339"/>
-            <a:ext cx="731269" cy="311907"/>
-          </a:xfrm>
-          <a:prstGeom prst="straightConnector1">
-            <a:avLst/>
-          </a:prstGeom>
-          <a:ln w="12700" cmpd="sng">
-            <a:solidFill>
-              <a:schemeClr val="tx1"/>
-            </a:solidFill>
-            <a:tailEnd type="arrow"/>
-          </a:ln>
-          <a:effectLst/>
-        </p:spPr>
-        <p:style>
-          <a:lnRef idx="2">
-            <a:schemeClr val="accent1"/>
-          </a:lnRef>
-          <a:fillRef idx="0">
-            <a:schemeClr val="accent1"/>
-          </a:fillRef>
-          <a:effectRef idx="1">
-            <a:schemeClr val="accent1"/>
-          </a:effectRef>
-          <a:fontRef idx="minor">
-            <a:schemeClr val="tx1"/>
-          </a:fontRef>
-        </p:style>
-      </p:cxnSp>
-      <p:cxnSp>
-        <p:nvCxnSpPr>
-          <p:cNvPr id="27" name="Straight Arrow Connector 26"/>
-          <p:cNvCxnSpPr/>
-          <p:nvPr/>
-        </p:nvCxnSpPr>
-        <p:spPr>
-          <a:xfrm>
-            <a:off x="3354944" y="4830739"/>
-            <a:ext cx="731269" cy="311907"/>
-          </a:xfrm>
-          <a:prstGeom prst="straightConnector1">
-            <a:avLst/>
-          </a:prstGeom>
-          <a:ln w="12700" cmpd="sng">
-            <a:solidFill>
-              <a:schemeClr val="tx1"/>
-            </a:solidFill>
-            <a:tailEnd type="arrow"/>
-          </a:ln>
-          <a:effectLst/>
-        </p:spPr>
-        <p:style>
-          <a:lnRef idx="2">
-            <a:schemeClr val="accent1"/>
-          </a:lnRef>
-          <a:fillRef idx="0">
-            <a:schemeClr val="accent1"/>
-          </a:fillRef>
-          <a:effectRef idx="1">
-            <a:schemeClr val="accent1"/>
-          </a:effectRef>
-          <a:fontRef idx="minor">
-            <a:schemeClr val="tx1"/>
-          </a:fontRef>
-        </p:style>
-      </p:cxnSp>
-      <p:cxnSp>
-        <p:nvCxnSpPr>
-          <p:cNvPr id="28" name="Straight Arrow Connector 27"/>
-          <p:cNvCxnSpPr/>
-          <p:nvPr/>
-        </p:nvCxnSpPr>
-        <p:spPr>
-          <a:xfrm>
-            <a:off x="3507344" y="4983139"/>
-            <a:ext cx="731269" cy="311907"/>
+          <a:xfrm flipH="1">
+            <a:off x="5571613" y="3835873"/>
+            <a:ext cx="611850" cy="457200"/>
           </a:xfrm>
           <a:prstGeom prst="straightConnector1">
             <a:avLst/>
@@ -5567,7 +5419,7 @@
         </p:nvSpPr>
         <p:spPr>
           <a:xfrm>
-            <a:off x="5304661" y="4163714"/>
+            <a:off x="5422464" y="4213455"/>
             <a:ext cx="2681312" cy="369332"/>
           </a:xfrm>
           <a:prstGeom prst="rect">
@@ -5605,8 +5457,8 @@
         </p:nvSpPr>
         <p:spPr>
           <a:xfrm>
-            <a:off x="4497982" y="5047167"/>
-            <a:ext cx="3476710" cy="369332"/>
+            <a:off x="5235442" y="5071749"/>
+            <a:ext cx="2654986" cy="369332"/>
           </a:xfrm>
           <a:prstGeom prst="rect">
             <a:avLst/>
@@ -5643,8 +5495,8 @@
         </p:nvSpPr>
         <p:spPr>
           <a:xfrm>
-            <a:off x="4509263" y="5751171"/>
-            <a:ext cx="3476710" cy="369332"/>
+            <a:off x="5607259" y="5824917"/>
+            <a:ext cx="2039834" cy="369332"/>
           </a:xfrm>
           <a:prstGeom prst="rect">
             <a:avLst/>
@@ -5659,7 +5511,7 @@
           <a:p>
             <a:r>
               <a:rPr lang="en-US" dirty="0" smtClean="0"/>
-              <a:t>                b                      c</a:t>
+              <a:t>b                      c</a:t>
             </a:r>
             <a:endParaRPr lang="en-US" i="1" dirty="0"/>
           </a:p>
@@ -5673,7 +5525,7 @@
         </p:nvCxnSpPr>
         <p:spPr>
           <a:xfrm>
-            <a:off x="7428150" y="5386534"/>
+            <a:off x="7010256" y="5411116"/>
             <a:ext cx="0" cy="457200"/>
           </a:xfrm>
           <a:prstGeom prst="straightConnector1">
@@ -5710,8 +5562,8 @@
         </p:nvCxnSpPr>
         <p:spPr>
           <a:xfrm>
-            <a:off x="6173247" y="4533047"/>
-            <a:ext cx="1108660" cy="606045"/>
+            <a:off x="6279769" y="4557629"/>
+            <a:ext cx="750296" cy="514120"/>
           </a:xfrm>
           <a:prstGeom prst="straightConnector1">
             <a:avLst/>
@@ -5747,8 +5599,8 @@
         </p:nvCxnSpPr>
         <p:spPr>
           <a:xfrm flipH="1">
-            <a:off x="4908509" y="4533047"/>
-            <a:ext cx="1263672" cy="606045"/>
+            <a:off x="5571613" y="4557629"/>
+            <a:ext cx="707090" cy="514120"/>
           </a:xfrm>
           <a:prstGeom prst="straightConnector1">
             <a:avLst/>
@@ -5784,7 +5636,7 @@
         </p:nvCxnSpPr>
         <p:spPr>
           <a:xfrm>
-            <a:off x="6218438" y="5367692"/>
+            <a:off x="6278238" y="4584765"/>
             <a:ext cx="0" cy="457200"/>
           </a:xfrm>
           <a:prstGeom prst="straightConnector1">
@@ -5821,7 +5673,44 @@
         </p:nvCxnSpPr>
         <p:spPr>
           <a:xfrm>
-            <a:off x="4994322" y="5386534"/>
+            <a:off x="5748170" y="5411116"/>
+            <a:ext cx="0" cy="457200"/>
+          </a:xfrm>
+          <a:prstGeom prst="straightConnector1">
+            <a:avLst/>
+          </a:prstGeom>
+          <a:ln w="12700" cmpd="sng">
+            <a:solidFill>
+              <a:schemeClr val="tx1"/>
+            </a:solidFill>
+            <a:tailEnd type="arrow"/>
+          </a:ln>
+          <a:effectLst/>
+        </p:spPr>
+        <p:style>
+          <a:lnRef idx="2">
+            <a:schemeClr val="accent1"/>
+          </a:lnRef>
+          <a:fillRef idx="0">
+            <a:schemeClr val="accent1"/>
+          </a:fillRef>
+          <a:effectRef idx="1">
+            <a:schemeClr val="accent1"/>
+          </a:effectRef>
+          <a:fontRef idx="minor">
+            <a:schemeClr val="tx1"/>
+          </a:fontRef>
+        </p:style>
+      </p:cxnSp>
+      <p:cxnSp>
+        <p:nvCxnSpPr>
+          <p:cNvPr id="70" name="Straight Arrow Connector 69"/>
+          <p:cNvCxnSpPr/>
+          <p:nvPr/>
+        </p:nvCxnSpPr>
+        <p:spPr>
+          <a:xfrm>
+            <a:off x="6220222" y="3835873"/>
             <a:ext cx="0" cy="457200"/>
           </a:xfrm>
           <a:prstGeom prst="straightConnector1">
